--- a/Presentation.ppx.pptx
+++ b/Presentation.ppx.pptx
@@ -9,10 +9,11 @@
     <p:sldId id="257" r:id="rId3"/>
     <p:sldId id="258" r:id="rId4"/>
     <p:sldId id="260" r:id="rId5"/>
-    <p:sldId id="261" r:id="rId6"/>
-    <p:sldId id="263" r:id="rId7"/>
-    <p:sldId id="264" r:id="rId8"/>
-    <p:sldId id="265" r:id="rId9"/>
+    <p:sldId id="266" r:id="rId6"/>
+    <p:sldId id="261" r:id="rId7"/>
+    <p:sldId id="263" r:id="rId8"/>
+    <p:sldId id="264" r:id="rId9"/>
+    <p:sldId id="265" r:id="rId10"/>
   </p:sldIdLst>
   <p:sldSz cx="12192000" cy="6858000"/>
   <p:notesSz cx="6858000" cy="9144000"/>
@@ -111,6 +112,11 @@
       </a:defRPr>
     </a:lvl9pPr>
   </p:defaultTextStyle>
+  <p:extLst>
+    <p:ext uri="{EFAFB233-063F-42B5-8137-9DF3F51BA10A}">
+      <p15:sldGuideLst xmlns:p15="http://schemas.microsoft.com/office/powerpoint/2012/main"/>
+    </p:ext>
+  </p:extLst>
 </p:presentation>
 </file>
 
@@ -209,7 +215,7 @@
           <a:effectLst/>
           <a:extLst>
             <a:ext uri="{91240B29-F687-4f45-9708-019B960494DF}">
-              <a14:hiddenLine xmlns:a14="http://schemas.microsoft.com/office/drawing/2010/main" xmlns="" w="9525">
+              <a14:hiddenLine xmlns="" xmlns:a14="http://schemas.microsoft.com/office/drawing/2010/main" w="9525">
                 <a:solidFill>
                   <a:srgbClr val="000000"/>
                 </a:solidFill>
@@ -1731,7 +1737,7 @@
           <a:ln/>
           <a:extLst>
             <a:ext uri="{91240B29-F687-4f45-9708-019B960494DF}">
-              <a14:hiddenLine xmlns:a14="http://schemas.microsoft.com/office/drawing/2010/main" xmlns="" w="9525">
+              <a14:hiddenLine xmlns="" xmlns:a14="http://schemas.microsoft.com/office/drawing/2010/main" w="9525">
                 <a:solidFill>
                   <a:srgbClr val="000000"/>
                 </a:solidFill>
@@ -2006,7 +2012,7 @@
           <a:ln/>
           <a:extLst>
             <a:ext uri="{91240B29-F687-4f45-9708-019B960494DF}">
-              <a14:hiddenLine xmlns:a14="http://schemas.microsoft.com/office/drawing/2010/main" xmlns="" w="9525">
+              <a14:hiddenLine xmlns="" xmlns:a14="http://schemas.microsoft.com/office/drawing/2010/main" w="9525">
                 <a:solidFill>
                   <a:srgbClr val="000000"/>
                 </a:solidFill>
@@ -2289,7 +2295,7 @@
           <a:ln/>
           <a:extLst>
             <a:ext uri="{91240B29-F687-4f45-9708-019B960494DF}">
-              <a14:hiddenLine xmlns:a14="http://schemas.microsoft.com/office/drawing/2010/main" xmlns="" w="9525">
+              <a14:hiddenLine xmlns="" xmlns:a14="http://schemas.microsoft.com/office/drawing/2010/main" w="9525">
                 <a:solidFill>
                   <a:srgbClr val="000000"/>
                 </a:solidFill>
@@ -2915,7 +2921,7 @@
           <a:ln/>
           <a:extLst>
             <a:ext uri="{91240B29-F687-4f45-9708-019B960494DF}">
-              <a14:hiddenLine xmlns:a14="http://schemas.microsoft.com/office/drawing/2010/main" xmlns="" w="9525">
+              <a14:hiddenLine xmlns="" xmlns:a14="http://schemas.microsoft.com/office/drawing/2010/main" w="9525">
                 <a:solidFill>
                   <a:srgbClr val="000000"/>
                 </a:solidFill>
@@ -3254,7 +3260,7 @@
           <a:ln/>
           <a:extLst>
             <a:ext uri="{91240B29-F687-4f45-9708-019B960494DF}">
-              <a14:hiddenLine xmlns:a14="http://schemas.microsoft.com/office/drawing/2010/main" xmlns="" w="9525">
+              <a14:hiddenLine xmlns="" xmlns:a14="http://schemas.microsoft.com/office/drawing/2010/main" w="9525">
                 <a:solidFill>
                   <a:srgbClr val="000000"/>
                 </a:solidFill>
@@ -3731,7 +3737,7 @@
           <a:ln/>
           <a:extLst>
             <a:ext uri="{91240B29-F687-4f45-9708-019B960494DF}">
-              <a14:hiddenLine xmlns:a14="http://schemas.microsoft.com/office/drawing/2010/main" xmlns="" w="9525">
+              <a14:hiddenLine xmlns="" xmlns:a14="http://schemas.microsoft.com/office/drawing/2010/main" w="9525">
                 <a:solidFill>
                   <a:srgbClr val="000000"/>
                 </a:solidFill>
@@ -4160,7 +4166,7 @@
           <a:ln/>
           <a:extLst>
             <a:ext uri="{91240B29-F687-4f45-9708-019B960494DF}">
-              <a14:hiddenLine xmlns:a14="http://schemas.microsoft.com/office/drawing/2010/main" xmlns="" w="9525">
+              <a14:hiddenLine xmlns="" xmlns:a14="http://schemas.microsoft.com/office/drawing/2010/main" w="9525">
                 <a:solidFill>
                   <a:srgbClr val="000000"/>
                 </a:solidFill>
@@ -5605,7 +5611,9 @@
         </p:nvSpPr>
         <p:spPr/>
         <p:txBody>
-          <a:bodyPr/>
+          <a:bodyPr>
+            <a:normAutofit fontScale="92500" lnSpcReduction="10000"/>
+          </a:bodyPr>
           <a:lstStyle/>
           <a:p>
             <a:r>
@@ -5637,9 +5645,16 @@
               <a:t>Beta: Special </a:t>
             </a:r>
             <a:r>
-              <a:rPr lang="en-US" sz="3200" dirty="0"/>
+              <a:rPr lang="en-US" sz="3200" dirty="0" smtClean="0"/>
               <a:t>Powers</a:t>
             </a:r>
+          </a:p>
+          <a:p>
+            <a:r>
+              <a:rPr lang="en-US" sz="3200" dirty="0" smtClean="0"/>
+              <a:t>Beta: Enemies</a:t>
+            </a:r>
+            <a:endParaRPr lang="en-US" sz="3200" dirty="0"/>
           </a:p>
           <a:p>
             <a:pPr marL="0" indent="0">
@@ -5651,7 +5666,7 @@
       </p:sp>
       <p:pic>
         <p:nvPicPr>
-          <p:cNvPr id="4" name="Content Placeholder 3"/>
+          <p:cNvPr id="5" name="Picture 4"/>
           <p:cNvPicPr>
             <a:picLocks noChangeAspect="1"/>
           </p:cNvPicPr>
@@ -5671,19 +5686,12 @@
         </p:blipFill>
         <p:spPr>
           <a:xfrm>
-            <a:off x="6594861" y="2386047"/>
-            <a:ext cx="5009003" cy="3756752"/>
+            <a:off x="6611547" y="2343955"/>
+            <a:ext cx="5075621" cy="4064313"/>
           </a:xfrm>
           <a:prstGeom prst="rect">
             <a:avLst/>
           </a:prstGeom>
-          <a:effectLst>
-            <a:outerShdw blurRad="50800" dir="14400000">
-              <a:srgbClr val="000000">
-                <a:alpha val="40000"/>
-              </a:srgbClr>
-            </a:outerShdw>
-          </a:effectLst>
         </p:spPr>
       </p:pic>
     </p:spTree>
@@ -6075,72 +6083,82 @@
           <a:p>
             <a:r>
               <a:rPr lang="en-US" dirty="0" smtClean="0"/>
-              <a:t>Lessons Learned- Phil</a:t>
+              <a:t>Please Enjoy this Demo</a:t>
             </a:r>
             <a:endParaRPr lang="en-US" dirty="0"/>
           </a:p>
         </p:txBody>
       </p:sp>
-      <p:sp>
-        <p:nvSpPr>
-          <p:cNvPr id="3" name="Content Placeholder 2"/>
-          <p:cNvSpPr>
-            <a:spLocks noGrp="1"/>
-          </p:cNvSpPr>
-          <p:nvPr>
-            <p:ph idx="1"/>
-          </p:nvPr>
-        </p:nvSpPr>
-        <p:spPr/>
-        <p:txBody>
-          <a:bodyPr/>
-          <a:lstStyle/>
-          <a:p>
-            <a:r>
-              <a:rPr lang="en-US" sz="2400" dirty="0" smtClean="0"/>
-              <a:t>Too much planning can be very bad.</a:t>
-            </a:r>
-          </a:p>
-          <a:p>
-            <a:r>
-              <a:rPr lang="en-US" sz="2400" dirty="0" smtClean="0"/>
-              <a:t>As a Project Lead, you need to be much more active than passive.</a:t>
-            </a:r>
-          </a:p>
-          <a:p>
-            <a:r>
-              <a:rPr lang="en-US" sz="2400" dirty="0" smtClean="0"/>
-              <a:t>Taking three project classes simultaneously can be a burden, and a detriment to one or more of those classes.</a:t>
-            </a:r>
-          </a:p>
-          <a:p>
-            <a:r>
-              <a:rPr lang="en-US" sz="2400" dirty="0" smtClean="0"/>
-              <a:t>Sometimes, using old code can make things more difficult, even if you think things will be easier for it. This is especially true if it’s not YOUR code.</a:t>
-            </a:r>
-          </a:p>
-          <a:p>
-            <a:endParaRPr lang="en-US" dirty="0"/>
-          </a:p>
-        </p:txBody>
-      </p:sp>
+      <p:pic>
+        <p:nvPicPr>
+          <p:cNvPr id="3" name="Picture 2"/>
+          <p:cNvPicPr>
+            <a:picLocks noChangeAspect="1"/>
+          </p:cNvPicPr>
+          <p:nvPr/>
+        </p:nvPicPr>
+        <p:blipFill>
+          <a:blip r:embed="rId2">
+            <a:extLst>
+              <a:ext uri="{28A0092B-C50C-407E-A947-70E740481C1C}">
+                <a14:useLocalDpi xmlns:a14="http://schemas.microsoft.com/office/drawing/2010/main" val="0"/>
+              </a:ext>
+            </a:extLst>
+          </a:blip>
+          <a:stretch>
+            <a:fillRect/>
+          </a:stretch>
+        </p:blipFill>
+        <p:spPr>
+          <a:xfrm>
+            <a:off x="2498502" y="2903112"/>
+            <a:ext cx="2255949" cy="2255949"/>
+          </a:xfrm>
+          <a:prstGeom prst="rect">
+            <a:avLst/>
+          </a:prstGeom>
+        </p:spPr>
+      </p:pic>
+      <p:pic>
+        <p:nvPicPr>
+          <p:cNvPr id="4" name="Picture 3"/>
+          <p:cNvPicPr>
+            <a:picLocks noChangeAspect="1"/>
+          </p:cNvPicPr>
+          <p:nvPr/>
+        </p:nvPicPr>
+        <p:blipFill>
+          <a:blip r:embed="rId3">
+            <a:extLst>
+              <a:ext uri="{28A0092B-C50C-407E-A947-70E740481C1C}">
+                <a14:useLocalDpi xmlns:a14="http://schemas.microsoft.com/office/drawing/2010/main" val="0"/>
+              </a:ext>
+            </a:extLst>
+          </a:blip>
+          <a:stretch>
+            <a:fillRect/>
+          </a:stretch>
+        </p:blipFill>
+        <p:spPr>
+          <a:xfrm>
+            <a:off x="5943599" y="2774323"/>
+            <a:ext cx="2736761" cy="2736761"/>
+          </a:xfrm>
+          <a:prstGeom prst="rect">
+            <a:avLst/>
+          </a:prstGeom>
+        </p:spPr>
+      </p:pic>
     </p:spTree>
     <p:extLst>
       <p:ext uri="{BB962C8B-B14F-4D97-AF65-F5344CB8AC3E}">
-        <p14:creationId xmlns:p14="http://schemas.microsoft.com/office/powerpoint/2010/main" val="1294465866"/>
+        <p14:creationId xmlns:p14="http://schemas.microsoft.com/office/powerpoint/2010/main" val="3461267925"/>
       </p:ext>
     </p:extLst>
   </p:cSld>
   <p:clrMapOvr>
     <a:masterClrMapping/>
   </p:clrMapOvr>
-  <p:timing>
-    <p:tnLst>
-      <p:par>
-        <p:cTn id="1" dur="indefinite" restart="never" nodeType="tmRoot"/>
-      </p:par>
-    </p:tnLst>
-  </p:timing>
 </p:sld>
 </file>
 
@@ -6178,7 +6196,7 @@
           <a:p>
             <a:r>
               <a:rPr lang="en-US" dirty="0" smtClean="0"/>
-              <a:t>Lessons Learned- JJ</a:t>
+              <a:t>Lessons Learned- Phil</a:t>
             </a:r>
             <a:endParaRPr lang="en-US" dirty="0"/>
           </a:p>
@@ -6196,29 +6214,41 @@
         </p:nvSpPr>
         <p:spPr/>
         <p:txBody>
-          <a:bodyPr>
-            <a:normAutofit/>
-          </a:bodyPr>
-          <a:lstStyle/>
-          <a:p>
-            <a:r>
-              <a:rPr lang="en-US" sz="2800" dirty="0" smtClean="0"/>
-              <a:t>Study preexisting code. Don’t take it for granted.</a:t>
-            </a:r>
-          </a:p>
-          <a:p>
-            <a:r>
-              <a:rPr lang="en-US" sz="2800" dirty="0" smtClean="0"/>
-              <a:t>Learn to adapt to others work styles.</a:t>
-            </a:r>
-            <a:endParaRPr lang="en-US" sz="2800" dirty="0"/>
+          <a:bodyPr/>
+          <a:lstStyle/>
+          <a:p>
+            <a:r>
+              <a:rPr lang="en-US" sz="2400" dirty="0" smtClean="0"/>
+              <a:t>Too much planning can be very bad.</a:t>
+            </a:r>
+          </a:p>
+          <a:p>
+            <a:r>
+              <a:rPr lang="en-US" sz="2400" dirty="0" smtClean="0"/>
+              <a:t>As a Project Lead, you need to be much more active than passive.</a:t>
+            </a:r>
+          </a:p>
+          <a:p>
+            <a:r>
+              <a:rPr lang="en-US" sz="2400" dirty="0" smtClean="0"/>
+              <a:t>Taking three project classes simultaneously can be a burden, and a detriment to one or more of those classes.</a:t>
+            </a:r>
+          </a:p>
+          <a:p>
+            <a:r>
+              <a:rPr lang="en-US" sz="2400" dirty="0" smtClean="0"/>
+              <a:t>Sometimes, using old code can make things more difficult, even if you think things will be easier for it. This is especially true if it’s not YOUR code.</a:t>
+            </a:r>
+          </a:p>
+          <a:p>
+            <a:endParaRPr lang="en-US" dirty="0"/>
           </a:p>
         </p:txBody>
       </p:sp>
     </p:spTree>
     <p:extLst>
       <p:ext uri="{BB962C8B-B14F-4D97-AF65-F5344CB8AC3E}">
-        <p14:creationId xmlns:p14="http://schemas.microsoft.com/office/powerpoint/2010/main" val="2965702720"/>
+        <p14:creationId xmlns:p14="http://schemas.microsoft.com/office/powerpoint/2010/main" val="1294465866"/>
       </p:ext>
     </p:extLst>
   </p:cSld>
@@ -6269,6 +6299,97 @@
           <a:p>
             <a:r>
               <a:rPr lang="en-US" dirty="0" smtClean="0"/>
+              <a:t>Lessons Learned- JJ</a:t>
+            </a:r>
+            <a:endParaRPr lang="en-US" dirty="0"/>
+          </a:p>
+        </p:txBody>
+      </p:sp>
+      <p:sp>
+        <p:nvSpPr>
+          <p:cNvPr id="3" name="Content Placeholder 2"/>
+          <p:cNvSpPr>
+            <a:spLocks noGrp="1"/>
+          </p:cNvSpPr>
+          <p:nvPr>
+            <p:ph idx="1"/>
+          </p:nvPr>
+        </p:nvSpPr>
+        <p:spPr/>
+        <p:txBody>
+          <a:bodyPr>
+            <a:normAutofit/>
+          </a:bodyPr>
+          <a:lstStyle/>
+          <a:p>
+            <a:r>
+              <a:rPr lang="en-US" sz="2800" dirty="0" smtClean="0"/>
+              <a:t>Study preexisting code. Don’t take it for granted.</a:t>
+            </a:r>
+          </a:p>
+          <a:p>
+            <a:r>
+              <a:rPr lang="en-US" sz="2800" dirty="0" smtClean="0"/>
+              <a:t>Learn to adapt to others work styles.</a:t>
+            </a:r>
+            <a:endParaRPr lang="en-US" sz="2800" dirty="0"/>
+          </a:p>
+        </p:txBody>
+      </p:sp>
+    </p:spTree>
+    <p:extLst>
+      <p:ext uri="{BB962C8B-B14F-4D97-AF65-F5344CB8AC3E}">
+        <p14:creationId xmlns:p14="http://schemas.microsoft.com/office/powerpoint/2010/main" val="2965702720"/>
+      </p:ext>
+    </p:extLst>
+  </p:cSld>
+  <p:clrMapOvr>
+    <a:masterClrMapping/>
+  </p:clrMapOvr>
+  <p:timing>
+    <p:tnLst>
+      <p:par>
+        <p:cTn id="1" dur="indefinite" restart="never" nodeType="tmRoot"/>
+      </p:par>
+    </p:tnLst>
+  </p:timing>
+</p:sld>
+</file>
+
+<file path=ppt/slides/slide8.xml><?xml version="1.0" encoding="utf-8"?>
+<p:sld xmlns:a="http://schemas.openxmlformats.org/drawingml/2006/main" xmlns:r="http://schemas.openxmlformats.org/officeDocument/2006/relationships" xmlns:p="http://schemas.openxmlformats.org/presentationml/2006/main">
+  <p:cSld>
+    <p:spTree>
+      <p:nvGrpSpPr>
+        <p:cNvPr id="1" name=""/>
+        <p:cNvGrpSpPr/>
+        <p:nvPr/>
+      </p:nvGrpSpPr>
+      <p:grpSpPr>
+        <a:xfrm>
+          <a:off x="0" y="0"/>
+          <a:ext cx="0" cy="0"/>
+          <a:chOff x="0" y="0"/>
+          <a:chExt cx="0" cy="0"/>
+        </a:xfrm>
+      </p:grpSpPr>
+      <p:sp>
+        <p:nvSpPr>
+          <p:cNvPr id="2" name="Title 1"/>
+          <p:cNvSpPr>
+            <a:spLocks noGrp="1"/>
+          </p:cNvSpPr>
+          <p:nvPr>
+            <p:ph type="title"/>
+          </p:nvPr>
+        </p:nvSpPr>
+        <p:spPr/>
+        <p:txBody>
+          <a:bodyPr/>
+          <a:lstStyle/>
+          <a:p>
+            <a:r>
+              <a:rPr lang="en-US" dirty="0" smtClean="0"/>
               <a:t>Lessons Learned- James</a:t>
             </a:r>
             <a:endParaRPr lang="en-US" dirty="0"/>
@@ -6291,15 +6412,22 @@
           <a:lstStyle/>
           <a:p>
             <a:r>
-              <a:rPr lang="en-US" dirty="0"/>
+              <a:rPr lang="en-US" sz="3600" dirty="0"/>
               <a:t>Start earlier, we almost got burned by it.</a:t>
             </a:r>
           </a:p>
           <a:p>
             <a:r>
-              <a:rPr lang="en-US" dirty="0"/>
-              <a:t>Teach other programmers technical requirements</a:t>
-            </a:r>
+              <a:rPr lang="en-US" sz="3600" dirty="0"/>
+              <a:t>Teach other programmers technical </a:t>
+            </a:r>
+            <a:r>
+              <a:rPr lang="en-US" sz="3600" dirty="0" smtClean="0"/>
+              <a:t>requirements</a:t>
+            </a:r>
+          </a:p>
+          <a:p>
+            <a:endParaRPr lang="en-US" dirty="0"/>
           </a:p>
           <a:p>
             <a:endParaRPr lang="en-US" dirty="0"/>
@@ -6326,7 +6454,7 @@
 </p:sld>
 </file>
 
-<file path=ppt/slides/slide8.xml><?xml version="1.0" encoding="utf-8"?>
+<file path=ppt/slides/slide9.xml><?xml version="1.0" encoding="utf-8"?>
 <p:sld xmlns:a="http://schemas.openxmlformats.org/drawingml/2006/main" xmlns:r="http://schemas.openxmlformats.org/officeDocument/2006/relationships" xmlns:p="http://schemas.openxmlformats.org/presentationml/2006/main">
   <p:cSld>
     <p:spTree>
